--- a/2022182033_PROJECT_PRESENTATION.pptx
+++ b/2022182033_PROJECT_PRESENTATION.pptx
@@ -108,6 +108,11 @@
       </a:defRPr>
     </a:lvl9pPr>
   </p:defaultTextStyle>
+  <p:extLst>
+    <p:ext uri="{EFAFB233-063F-42B5-8137-9DF3F51BA10A}">
+      <p15:sldGuideLst xmlns:p15="http://schemas.microsoft.com/office/powerpoint/2012/main"/>
+    </p:ext>
+  </p:extLst>
 </p:presentation>
 </file>
 
@@ -4123,11 +4128,19 @@
             </a:r>
             <a:r>
               <a:rPr lang="en-US" altLang="ko-KR" sz="2000" dirty="0"/>
-              <a:t> + </a:t>
-            </a:r>
-            <a:r>
-              <a:rPr lang="ko-KR" altLang="en-US" sz="2000" dirty="0"/>
-              <a:t>스키의 효과 구현</a:t>
+              <a:t> </a:t>
+            </a:r>
+            <a:r>
+              <a:rPr lang="en-US" altLang="ko-KR" sz="2000"/>
+              <a:t>+ </a:t>
+            </a:r>
+            <a:r>
+              <a:rPr lang="ko-KR" altLang="en-US" sz="2000"/>
+              <a:t>스킬의 </a:t>
+            </a:r>
+            <a:r>
+              <a:rPr lang="ko-KR" altLang="en-US" sz="2000" dirty="0"/>
+              <a:t>효과 구현</a:t>
             </a:r>
             <a:endParaRPr lang="en-US" altLang="ko-KR" sz="2000" dirty="0"/>
           </a:p>
@@ -4222,7 +4235,7 @@
               <a:t>: </a:t>
             </a:r>
             <a:r>
-              <a:rPr lang="ko-KR" altLang="en-US" sz="2000"/>
+              <a:rPr lang="ko-KR" altLang="en-US" sz="2000" dirty="0"/>
               <a:t>발표 준비</a:t>
             </a:r>
             <a:endParaRPr lang="en-US" altLang="ko-KR" sz="2000" dirty="0"/>
